--- a/Clase 16_CART/C16_CART.pptx
+++ b/Clase 16_CART/C16_CART.pptx
@@ -311,7 +311,7 @@
           <a:p>
             <a:fld id="{84A57B98-7F31-0D42-9B7E-63D1E3B1FEB1}" type="datetimeFigureOut">
               <a:rPr lang="es-ES_tradnl" smtClean="0"/>
-              <a:t>20/5/25</a:t>
+              <a:t>23/5/25</a:t>
             </a:fld>
             <a:endParaRPr lang="es-ES_tradnl"/>
           </a:p>
@@ -2527,7 +2527,7 @@
           <a:p>
             <a:fld id="{9D996A44-393B-2349-9636-C2E629343387}" type="datetime1">
               <a:rPr lang="en-US" smtClean="0"/>
-              <a:t>5/20/25</a:t>
+              <a:t>5/23/25</a:t>
             </a:fld>
             <a:endParaRPr lang="en-US"/>
           </a:p>
@@ -2725,7 +2725,7 @@
           <a:p>
             <a:fld id="{4330747D-E2B9-0645-9126-214ED2EB266F}" type="datetime1">
               <a:rPr lang="en-US" smtClean="0"/>
-              <a:t>5/20/25</a:t>
+              <a:t>5/23/25</a:t>
             </a:fld>
             <a:endParaRPr lang="en-US"/>
           </a:p>
@@ -2933,7 +2933,7 @@
           <a:p>
             <a:fld id="{4F1EB08E-9945-494E-8140-072E164898FC}" type="datetime1">
               <a:rPr lang="en-US" smtClean="0"/>
-              <a:t>5/20/25</a:t>
+              <a:t>5/23/25</a:t>
             </a:fld>
             <a:endParaRPr lang="en-US"/>
           </a:p>
@@ -3131,7 +3131,7 @@
           <a:p>
             <a:fld id="{77D7DD35-DA54-6249-8929-31941A6F915E}" type="datetime1">
               <a:rPr lang="en-US" smtClean="0"/>
-              <a:t>5/20/25</a:t>
+              <a:t>5/23/25</a:t>
             </a:fld>
             <a:endParaRPr lang="en-US"/>
           </a:p>
@@ -3406,7 +3406,7 @@
           <a:p>
             <a:fld id="{2E633375-BE77-974E-B796-FE3045409A94}" type="datetime1">
               <a:rPr lang="en-US" smtClean="0"/>
-              <a:t>5/20/25</a:t>
+              <a:t>5/23/25</a:t>
             </a:fld>
             <a:endParaRPr lang="en-US"/>
           </a:p>
@@ -3671,7 +3671,7 @@
           <a:p>
             <a:fld id="{5345ED56-00FC-634F-B6C2-E86770DA063E}" type="datetime1">
               <a:rPr lang="en-US" smtClean="0"/>
-              <a:t>5/20/25</a:t>
+              <a:t>5/23/25</a:t>
             </a:fld>
             <a:endParaRPr lang="en-US"/>
           </a:p>
@@ -4083,7 +4083,7 @@
           <a:p>
             <a:fld id="{2C80F7AF-5390-6D41-B3C2-4512AD8DC48F}" type="datetime1">
               <a:rPr lang="en-US" smtClean="0"/>
-              <a:t>5/20/25</a:t>
+              <a:t>5/23/25</a:t>
             </a:fld>
             <a:endParaRPr lang="en-US"/>
           </a:p>
@@ -4224,7 +4224,7 @@
           <a:p>
             <a:fld id="{231FBA76-D706-234B-B88E-FA9EF4D7D110}" type="datetime1">
               <a:rPr lang="en-US" smtClean="0"/>
-              <a:t>5/20/25</a:t>
+              <a:t>5/23/25</a:t>
             </a:fld>
             <a:endParaRPr lang="en-US"/>
           </a:p>
@@ -4337,7 +4337,7 @@
           <a:p>
             <a:fld id="{2B57C583-3803-924E-B51C-25F9B096D826}" type="datetime1">
               <a:rPr lang="en-US" smtClean="0"/>
-              <a:t>5/20/25</a:t>
+              <a:t>5/23/25</a:t>
             </a:fld>
             <a:endParaRPr lang="en-US"/>
           </a:p>
@@ -4648,7 +4648,7 @@
           <a:p>
             <a:fld id="{279C20E7-E151-324B-B310-BE89353755F2}" type="datetime1">
               <a:rPr lang="en-US" smtClean="0"/>
-              <a:t>5/20/25</a:t>
+              <a:t>5/23/25</a:t>
             </a:fld>
             <a:endParaRPr lang="en-US"/>
           </a:p>
@@ -4936,7 +4936,7 @@
           <a:p>
             <a:fld id="{85B53A3E-DA75-EC4A-9046-4A3B26FBAAC1}" type="datetime1">
               <a:rPr lang="en-US" smtClean="0"/>
-              <a:t>5/20/25</a:t>
+              <a:t>5/23/25</a:t>
             </a:fld>
             <a:endParaRPr lang="en-US"/>
           </a:p>
@@ -5179,7 +5179,7 @@
           <a:p>
             <a:fld id="{203A4A31-8716-1243-A06A-E7884CD293D7}" type="datetime1">
               <a:rPr lang="en-US" noProof="0" smtClean="0"/>
-              <a:t>5/20/25</a:t>
+              <a:t>5/23/25</a:t>
             </a:fld>
             <a:endParaRPr lang="es-ES_tradnl" noProof="0"/>
           </a:p>
@@ -16111,8 +16111,8 @@
           </a:p>
         </p:txBody>
       </p:sp>
-      <mc:AlternateContent xmlns:mc="http://schemas.openxmlformats.org/markup-compatibility/2006">
-        <mc:Choice xmlns:a14="http://schemas.microsoft.com/office/drawing/2010/main" Requires="a14">
+      <mc:AlternateContent xmlns:mc="http://schemas.openxmlformats.org/markup-compatibility/2006" xmlns:a14="http://schemas.microsoft.com/office/drawing/2010/main">
+        <mc:Choice Requires="a14">
           <p:sp>
             <p:nvSpPr>
               <p:cNvPr id="3" name="Content Placeholder 2">
@@ -16289,7 +16289,7 @@
             </p:txBody>
           </p:sp>
         </mc:Choice>
-        <mc:Fallback>
+        <mc:Fallback xmlns="">
           <p:sp>
             <p:nvSpPr>
               <p:cNvPr id="3" name="Content Placeholder 2">
@@ -17417,7 +17417,7 @@
             </a:pPr>
             <a:r>
               <a:rPr lang="es-ES_tradnl" dirty="0"/>
-              <a:t>Próxima Presentación Grupal: </a:t>
+              <a:t>TP 4: EPH – Regresión &amp; Clasificación: </a:t>
             </a:r>
             <a:r>
               <a:rPr lang="es-ES_tradnl" dirty="0">
@@ -17425,7 +17425,7 @@
                   <a:srgbClr val="FF0000"/>
                 </a:solidFill>
               </a:rPr>
-              <a:t>Viernes 30 de Mayo</a:t>
+              <a:t>Martes 3 de Junio. 13:00 h </a:t>
             </a:r>
           </a:p>
           <a:p>
@@ -17436,7 +17436,7 @@
             </a:pPr>
             <a:r>
               <a:rPr lang="es-ES_tradnl" dirty="0"/>
-              <a:t>TP 4: EPH – Regresión &amp; Clasificación: </a:t>
+              <a:t>Próxima Presentación Grupal: </a:t>
             </a:r>
             <a:r>
               <a:rPr lang="es-ES_tradnl" dirty="0">
@@ -17444,7 +17444,7 @@
                   <a:srgbClr val="FF0000"/>
                 </a:solidFill>
               </a:rPr>
-              <a:t>Domingo 1 de Junio. 13:00 h</a:t>
+              <a:t>Viernes 6 de Junio</a:t>
             </a:r>
           </a:p>
           <a:p>
@@ -17459,7 +17459,23 @@
                   <a:srgbClr val="002060"/>
                 </a:solidFill>
               </a:rPr>
-              <a:t>Final domiciliario: </a:t>
+              <a:t>Final </a:t>
+            </a:r>
+            <a:r>
+              <a:rPr lang="es-ES_tradnl" b="1" dirty="0">
+                <a:solidFill>
+                  <a:srgbClr val="002060"/>
+                </a:solidFill>
+              </a:rPr>
+              <a:t>Presencial</a:t>
+            </a:r>
+            <a:r>
+              <a:rPr lang="es-ES_tradnl" dirty="0">
+                <a:solidFill>
+                  <a:srgbClr val="002060"/>
+                </a:solidFill>
+              </a:rPr>
+              <a:t>: </a:t>
             </a:r>
             <a:r>
               <a:rPr lang="es-ES_tradnl" dirty="0">
@@ -17467,7 +17483,7 @@
                   <a:srgbClr val="FF0000"/>
                 </a:solidFill>
               </a:rPr>
-              <a:t>3 de Junio. 17:00 h a 19:00 h.</a:t>
+              <a:t>27 de Junio. 17:00 h a 19:00 h.</a:t>
             </a:r>
           </a:p>
           <a:p>
